--- a/조건부기대값 임용고시 2018.pptx
+++ b/조건부기대값 임용고시 2018.pptx
@@ -8,12 +8,14 @@
     <p:sldId id="256" r:id="rId2"/>
     <p:sldId id="271" r:id="rId3"/>
     <p:sldId id="257" r:id="rId4"/>
-    <p:sldId id="263" r:id="rId5"/>
-    <p:sldId id="268" r:id="rId6"/>
-    <p:sldId id="267" r:id="rId7"/>
-    <p:sldId id="269" r:id="rId8"/>
-    <p:sldId id="270" r:id="rId9"/>
-    <p:sldId id="262" r:id="rId10"/>
+    <p:sldId id="272" r:id="rId5"/>
+    <p:sldId id="273" r:id="rId6"/>
+    <p:sldId id="269" r:id="rId7"/>
+    <p:sldId id="274" r:id="rId8"/>
+    <p:sldId id="275" r:id="rId9"/>
+    <p:sldId id="276" r:id="rId10"/>
+    <p:sldId id="270" r:id="rId11"/>
+    <p:sldId id="277" r:id="rId12"/>
   </p:sldIdLst>
   <p:sldSz cx="12192000" cy="6858000"/>
   <p:notesSz cx="6858000" cy="9144000"/>
@@ -162,10 +164,9 @@
           </a:lstStyle>
           <a:p>
             <a:r>
-              <a:rPr lang="en-US" smtClean="0"/>
+              <a:rPr lang="en-US"/>
               <a:t>Click to edit Master title style</a:t>
             </a:r>
-            <a:endParaRPr lang="en-US"/>
           </a:p>
         </p:txBody>
       </p:sp>
@@ -227,10 +228,9 @@
           </a:lstStyle>
           <a:p>
             <a:r>
-              <a:rPr lang="en-US" smtClean="0"/>
+              <a:rPr lang="en-US"/>
               <a:t>Click to edit Master subtitle style</a:t>
             </a:r>
-            <a:endParaRPr lang="en-US"/>
           </a:p>
         </p:txBody>
       </p:sp>
@@ -251,7 +251,7 @@
           <a:p>
             <a:fld id="{5B3AD1D6-AE87-C841-B3FD-7C9F7FCAE5AE}" type="datetimeFigureOut">
               <a:rPr lang="en-US" smtClean="0"/>
-              <a:t>12/15/19</a:t>
+              <a:t>12/20/19</a:t>
             </a:fld>
             <a:endParaRPr lang="en-US"/>
           </a:p>
@@ -345,10 +345,9 @@
           <a:lstStyle/>
           <a:p>
             <a:r>
-              <a:rPr lang="en-US" smtClean="0"/>
+              <a:rPr lang="en-US"/>
               <a:t>Click to edit Master title style</a:t>
             </a:r>
-            <a:endParaRPr lang="en-US"/>
           </a:p>
         </p:txBody>
       </p:sp>
@@ -369,38 +368,37 @@
           <a:p>
             <a:pPr lvl="0"/>
             <a:r>
-              <a:rPr lang="en-US" smtClean="0"/>
+              <a:rPr lang="en-US"/>
               <a:t>Click to edit Master text styles</a:t>
             </a:r>
           </a:p>
           <a:p>
             <a:pPr lvl="1"/>
             <a:r>
-              <a:rPr lang="en-US" smtClean="0"/>
+              <a:rPr lang="en-US"/>
               <a:t>Second level</a:t>
             </a:r>
           </a:p>
           <a:p>
             <a:pPr lvl="2"/>
             <a:r>
-              <a:rPr lang="en-US" smtClean="0"/>
+              <a:rPr lang="en-US"/>
               <a:t>Third level</a:t>
             </a:r>
           </a:p>
           <a:p>
             <a:pPr lvl="3"/>
             <a:r>
-              <a:rPr lang="en-US" smtClean="0"/>
+              <a:rPr lang="en-US"/>
               <a:t>Fourth level</a:t>
             </a:r>
           </a:p>
           <a:p>
             <a:pPr lvl="4"/>
             <a:r>
-              <a:rPr lang="en-US" smtClean="0"/>
+              <a:rPr lang="en-US"/>
               <a:t>Fifth level</a:t>
             </a:r>
-            <a:endParaRPr lang="en-US"/>
           </a:p>
         </p:txBody>
       </p:sp>
@@ -421,7 +419,7 @@
           <a:p>
             <a:fld id="{5B3AD1D6-AE87-C841-B3FD-7C9F7FCAE5AE}" type="datetimeFigureOut">
               <a:rPr lang="en-US" smtClean="0"/>
-              <a:t>12/15/19</a:t>
+              <a:t>12/20/19</a:t>
             </a:fld>
             <a:endParaRPr lang="en-US"/>
           </a:p>
@@ -520,10 +518,9 @@
           <a:lstStyle/>
           <a:p>
             <a:r>
-              <a:rPr lang="en-US" smtClean="0"/>
+              <a:rPr lang="en-US"/>
               <a:t>Click to edit Master title style</a:t>
             </a:r>
-            <a:endParaRPr lang="en-US"/>
           </a:p>
         </p:txBody>
       </p:sp>
@@ -549,38 +546,37 @@
           <a:p>
             <a:pPr lvl="0"/>
             <a:r>
-              <a:rPr lang="en-US" smtClean="0"/>
+              <a:rPr lang="en-US"/>
               <a:t>Click to edit Master text styles</a:t>
             </a:r>
           </a:p>
           <a:p>
             <a:pPr lvl="1"/>
             <a:r>
-              <a:rPr lang="en-US" smtClean="0"/>
+              <a:rPr lang="en-US"/>
               <a:t>Second level</a:t>
             </a:r>
           </a:p>
           <a:p>
             <a:pPr lvl="2"/>
             <a:r>
-              <a:rPr lang="en-US" smtClean="0"/>
+              <a:rPr lang="en-US"/>
               <a:t>Third level</a:t>
             </a:r>
           </a:p>
           <a:p>
             <a:pPr lvl="3"/>
             <a:r>
-              <a:rPr lang="en-US" smtClean="0"/>
+              <a:rPr lang="en-US"/>
               <a:t>Fourth level</a:t>
             </a:r>
           </a:p>
           <a:p>
             <a:pPr lvl="4"/>
             <a:r>
-              <a:rPr lang="en-US" smtClean="0"/>
+              <a:rPr lang="en-US"/>
               <a:t>Fifth level</a:t>
             </a:r>
-            <a:endParaRPr lang="en-US"/>
           </a:p>
         </p:txBody>
       </p:sp>
@@ -601,7 +597,7 @@
           <a:p>
             <a:fld id="{5B3AD1D6-AE87-C841-B3FD-7C9F7FCAE5AE}" type="datetimeFigureOut">
               <a:rPr lang="en-US" smtClean="0"/>
-              <a:t>12/15/19</a:t>
+              <a:t>12/20/19</a:t>
             </a:fld>
             <a:endParaRPr lang="en-US"/>
           </a:p>
@@ -695,10 +691,9 @@
           <a:lstStyle/>
           <a:p>
             <a:r>
-              <a:rPr lang="en-US" smtClean="0"/>
+              <a:rPr lang="en-US"/>
               <a:t>Click to edit Master title style</a:t>
             </a:r>
-            <a:endParaRPr lang="en-US"/>
           </a:p>
         </p:txBody>
       </p:sp>
@@ -719,38 +714,37 @@
           <a:p>
             <a:pPr lvl="0"/>
             <a:r>
-              <a:rPr lang="en-US" smtClean="0"/>
+              <a:rPr lang="en-US"/>
               <a:t>Click to edit Master text styles</a:t>
             </a:r>
           </a:p>
           <a:p>
             <a:pPr lvl="1"/>
             <a:r>
-              <a:rPr lang="en-US" smtClean="0"/>
+              <a:rPr lang="en-US"/>
               <a:t>Second level</a:t>
             </a:r>
           </a:p>
           <a:p>
             <a:pPr lvl="2"/>
             <a:r>
-              <a:rPr lang="en-US" smtClean="0"/>
+              <a:rPr lang="en-US"/>
               <a:t>Third level</a:t>
             </a:r>
           </a:p>
           <a:p>
             <a:pPr lvl="3"/>
             <a:r>
-              <a:rPr lang="en-US" smtClean="0"/>
+              <a:rPr lang="en-US"/>
               <a:t>Fourth level</a:t>
             </a:r>
           </a:p>
           <a:p>
             <a:pPr lvl="4"/>
             <a:r>
-              <a:rPr lang="en-US" smtClean="0"/>
+              <a:rPr lang="en-US"/>
               <a:t>Fifth level</a:t>
             </a:r>
-            <a:endParaRPr lang="en-US"/>
           </a:p>
         </p:txBody>
       </p:sp>
@@ -771,7 +765,7 @@
           <a:p>
             <a:fld id="{5B3AD1D6-AE87-C841-B3FD-7C9F7FCAE5AE}" type="datetimeFigureOut">
               <a:rPr lang="en-US" smtClean="0"/>
-              <a:t>12/15/19</a:t>
+              <a:t>12/20/19</a:t>
             </a:fld>
             <a:endParaRPr lang="en-US"/>
           </a:p>
@@ -874,10 +868,9 @@
           </a:lstStyle>
           <a:p>
             <a:r>
-              <a:rPr lang="en-US" smtClean="0"/>
+              <a:rPr lang="en-US"/>
               <a:t>Click to edit Master title style</a:t>
             </a:r>
-            <a:endParaRPr lang="en-US"/>
           </a:p>
         </p:txBody>
       </p:sp>
@@ -994,7 +987,7 @@
           <a:p>
             <a:pPr lvl="0"/>
             <a:r>
-              <a:rPr lang="en-US" smtClean="0"/>
+              <a:rPr lang="en-US"/>
               <a:t>Click to edit Master text styles</a:t>
             </a:r>
           </a:p>
@@ -1017,7 +1010,7 @@
           <a:p>
             <a:fld id="{5B3AD1D6-AE87-C841-B3FD-7C9F7FCAE5AE}" type="datetimeFigureOut">
               <a:rPr lang="en-US" smtClean="0"/>
-              <a:t>12/15/19</a:t>
+              <a:t>12/20/19</a:t>
             </a:fld>
             <a:endParaRPr lang="en-US"/>
           </a:p>
@@ -1111,10 +1104,9 @@
           <a:lstStyle/>
           <a:p>
             <a:r>
-              <a:rPr lang="en-US" smtClean="0"/>
+              <a:rPr lang="en-US"/>
               <a:t>Click to edit Master title style</a:t>
             </a:r>
-            <a:endParaRPr lang="en-US"/>
           </a:p>
         </p:txBody>
       </p:sp>
@@ -1140,38 +1132,37 @@
           <a:p>
             <a:pPr lvl="0"/>
             <a:r>
-              <a:rPr lang="en-US" smtClean="0"/>
+              <a:rPr lang="en-US"/>
               <a:t>Click to edit Master text styles</a:t>
             </a:r>
           </a:p>
           <a:p>
             <a:pPr lvl="1"/>
             <a:r>
-              <a:rPr lang="en-US" smtClean="0"/>
+              <a:rPr lang="en-US"/>
               <a:t>Second level</a:t>
             </a:r>
           </a:p>
           <a:p>
             <a:pPr lvl="2"/>
             <a:r>
-              <a:rPr lang="en-US" smtClean="0"/>
+              <a:rPr lang="en-US"/>
               <a:t>Third level</a:t>
             </a:r>
           </a:p>
           <a:p>
             <a:pPr lvl="3"/>
             <a:r>
-              <a:rPr lang="en-US" smtClean="0"/>
+              <a:rPr lang="en-US"/>
               <a:t>Fourth level</a:t>
             </a:r>
           </a:p>
           <a:p>
             <a:pPr lvl="4"/>
             <a:r>
-              <a:rPr lang="en-US" smtClean="0"/>
+              <a:rPr lang="en-US"/>
               <a:t>Fifth level</a:t>
             </a:r>
-            <a:endParaRPr lang="en-US"/>
           </a:p>
         </p:txBody>
       </p:sp>
@@ -1197,38 +1188,37 @@
           <a:p>
             <a:pPr lvl="0"/>
             <a:r>
-              <a:rPr lang="en-US" smtClean="0"/>
+              <a:rPr lang="en-US"/>
               <a:t>Click to edit Master text styles</a:t>
             </a:r>
           </a:p>
           <a:p>
             <a:pPr lvl="1"/>
             <a:r>
-              <a:rPr lang="en-US" smtClean="0"/>
+              <a:rPr lang="en-US"/>
               <a:t>Second level</a:t>
             </a:r>
           </a:p>
           <a:p>
             <a:pPr lvl="2"/>
             <a:r>
-              <a:rPr lang="en-US" smtClean="0"/>
+              <a:rPr lang="en-US"/>
               <a:t>Third level</a:t>
             </a:r>
           </a:p>
           <a:p>
             <a:pPr lvl="3"/>
             <a:r>
-              <a:rPr lang="en-US" smtClean="0"/>
+              <a:rPr lang="en-US"/>
               <a:t>Fourth level</a:t>
             </a:r>
           </a:p>
           <a:p>
             <a:pPr lvl="4"/>
             <a:r>
-              <a:rPr lang="en-US" smtClean="0"/>
+              <a:rPr lang="en-US"/>
               <a:t>Fifth level</a:t>
             </a:r>
-            <a:endParaRPr lang="en-US"/>
           </a:p>
         </p:txBody>
       </p:sp>
@@ -1249,7 +1239,7 @@
           <a:p>
             <a:fld id="{5B3AD1D6-AE87-C841-B3FD-7C9F7FCAE5AE}" type="datetimeFigureOut">
               <a:rPr lang="en-US" smtClean="0"/>
-              <a:t>12/15/19</a:t>
+              <a:t>12/20/19</a:t>
             </a:fld>
             <a:endParaRPr lang="en-US"/>
           </a:p>
@@ -1348,10 +1338,9 @@
           <a:lstStyle/>
           <a:p>
             <a:r>
-              <a:rPr lang="en-US" smtClean="0"/>
+              <a:rPr lang="en-US"/>
               <a:t>Click to edit Master title style</a:t>
             </a:r>
-            <a:endParaRPr lang="en-US"/>
           </a:p>
         </p:txBody>
       </p:sp>
@@ -1414,7 +1403,7 @@
           <a:p>
             <a:pPr lvl="0"/>
             <a:r>
-              <a:rPr lang="en-US" smtClean="0"/>
+              <a:rPr lang="en-US"/>
               <a:t>Click to edit Master text styles</a:t>
             </a:r>
           </a:p>
@@ -1442,38 +1431,37 @@
           <a:p>
             <a:pPr lvl="0"/>
             <a:r>
-              <a:rPr lang="en-US" smtClean="0"/>
+              <a:rPr lang="en-US"/>
               <a:t>Click to edit Master text styles</a:t>
             </a:r>
           </a:p>
           <a:p>
             <a:pPr lvl="1"/>
             <a:r>
-              <a:rPr lang="en-US" smtClean="0"/>
+              <a:rPr lang="en-US"/>
               <a:t>Second level</a:t>
             </a:r>
           </a:p>
           <a:p>
             <a:pPr lvl="2"/>
             <a:r>
-              <a:rPr lang="en-US" smtClean="0"/>
+              <a:rPr lang="en-US"/>
               <a:t>Third level</a:t>
             </a:r>
           </a:p>
           <a:p>
             <a:pPr lvl="3"/>
             <a:r>
-              <a:rPr lang="en-US" smtClean="0"/>
+              <a:rPr lang="en-US"/>
               <a:t>Fourth level</a:t>
             </a:r>
           </a:p>
           <a:p>
             <a:pPr lvl="4"/>
             <a:r>
-              <a:rPr lang="en-US" smtClean="0"/>
+              <a:rPr lang="en-US"/>
               <a:t>Fifth level</a:t>
             </a:r>
-            <a:endParaRPr lang="en-US"/>
           </a:p>
         </p:txBody>
       </p:sp>
@@ -1536,7 +1524,7 @@
           <a:p>
             <a:pPr lvl="0"/>
             <a:r>
-              <a:rPr lang="en-US" smtClean="0"/>
+              <a:rPr lang="en-US"/>
               <a:t>Click to edit Master text styles</a:t>
             </a:r>
           </a:p>
@@ -1564,38 +1552,37 @@
           <a:p>
             <a:pPr lvl="0"/>
             <a:r>
-              <a:rPr lang="en-US" smtClean="0"/>
+              <a:rPr lang="en-US"/>
               <a:t>Click to edit Master text styles</a:t>
             </a:r>
           </a:p>
           <a:p>
             <a:pPr lvl="1"/>
             <a:r>
-              <a:rPr lang="en-US" smtClean="0"/>
+              <a:rPr lang="en-US"/>
               <a:t>Second level</a:t>
             </a:r>
           </a:p>
           <a:p>
             <a:pPr lvl="2"/>
             <a:r>
-              <a:rPr lang="en-US" smtClean="0"/>
+              <a:rPr lang="en-US"/>
               <a:t>Third level</a:t>
             </a:r>
           </a:p>
           <a:p>
             <a:pPr lvl="3"/>
             <a:r>
-              <a:rPr lang="en-US" smtClean="0"/>
+              <a:rPr lang="en-US"/>
               <a:t>Fourth level</a:t>
             </a:r>
           </a:p>
           <a:p>
             <a:pPr lvl="4"/>
             <a:r>
-              <a:rPr lang="en-US" smtClean="0"/>
+              <a:rPr lang="en-US"/>
               <a:t>Fifth level</a:t>
             </a:r>
-            <a:endParaRPr lang="en-US"/>
           </a:p>
         </p:txBody>
       </p:sp>
@@ -1616,7 +1603,7 @@
           <a:p>
             <a:fld id="{5B3AD1D6-AE87-C841-B3FD-7C9F7FCAE5AE}" type="datetimeFigureOut">
               <a:rPr lang="en-US" smtClean="0"/>
-              <a:t>12/15/19</a:t>
+              <a:t>12/20/19</a:t>
             </a:fld>
             <a:endParaRPr lang="en-US"/>
           </a:p>
@@ -1710,10 +1697,9 @@
           <a:lstStyle/>
           <a:p>
             <a:r>
-              <a:rPr lang="en-US" smtClean="0"/>
+              <a:rPr lang="en-US"/>
               <a:t>Click to edit Master title style</a:t>
             </a:r>
-            <a:endParaRPr lang="en-US"/>
           </a:p>
         </p:txBody>
       </p:sp>
@@ -1734,7 +1720,7 @@
           <a:p>
             <a:fld id="{5B3AD1D6-AE87-C841-B3FD-7C9F7FCAE5AE}" type="datetimeFigureOut">
               <a:rPr lang="en-US" smtClean="0"/>
-              <a:t>12/15/19</a:t>
+              <a:t>12/20/19</a:t>
             </a:fld>
             <a:endParaRPr lang="en-US"/>
           </a:p>
@@ -1829,7 +1815,7 @@
           <a:p>
             <a:fld id="{5B3AD1D6-AE87-C841-B3FD-7C9F7FCAE5AE}" type="datetimeFigureOut">
               <a:rPr lang="en-US" smtClean="0"/>
-              <a:t>12/15/19</a:t>
+              <a:t>12/20/19</a:t>
             </a:fld>
             <a:endParaRPr lang="en-US"/>
           </a:p>
@@ -1932,10 +1918,9 @@
           </a:lstStyle>
           <a:p>
             <a:r>
-              <a:rPr lang="en-US" smtClean="0"/>
+              <a:rPr lang="en-US"/>
               <a:t>Click to edit Master title style</a:t>
             </a:r>
-            <a:endParaRPr lang="en-US"/>
           </a:p>
         </p:txBody>
       </p:sp>
@@ -1989,38 +1974,37 @@
           <a:p>
             <a:pPr lvl="0"/>
             <a:r>
-              <a:rPr lang="en-US" smtClean="0"/>
+              <a:rPr lang="en-US"/>
               <a:t>Click to edit Master text styles</a:t>
             </a:r>
           </a:p>
           <a:p>
             <a:pPr lvl="1"/>
             <a:r>
-              <a:rPr lang="en-US" smtClean="0"/>
+              <a:rPr lang="en-US"/>
               <a:t>Second level</a:t>
             </a:r>
           </a:p>
           <a:p>
             <a:pPr lvl="2"/>
             <a:r>
-              <a:rPr lang="en-US" smtClean="0"/>
+              <a:rPr lang="en-US"/>
               <a:t>Third level</a:t>
             </a:r>
           </a:p>
           <a:p>
             <a:pPr lvl="3"/>
             <a:r>
-              <a:rPr lang="en-US" smtClean="0"/>
+              <a:rPr lang="en-US"/>
               <a:t>Fourth level</a:t>
             </a:r>
           </a:p>
           <a:p>
             <a:pPr lvl="4"/>
             <a:r>
-              <a:rPr lang="en-US" smtClean="0"/>
+              <a:rPr lang="en-US"/>
               <a:t>Fifth level</a:t>
             </a:r>
-            <a:endParaRPr lang="en-US"/>
           </a:p>
         </p:txBody>
       </p:sp>
@@ -2083,7 +2067,7 @@
           <a:p>
             <a:pPr lvl="0"/>
             <a:r>
-              <a:rPr lang="en-US" smtClean="0"/>
+              <a:rPr lang="en-US"/>
               <a:t>Click to edit Master text styles</a:t>
             </a:r>
           </a:p>
@@ -2106,7 +2090,7 @@
           <a:p>
             <a:fld id="{5B3AD1D6-AE87-C841-B3FD-7C9F7FCAE5AE}" type="datetimeFigureOut">
               <a:rPr lang="en-US" smtClean="0"/>
-              <a:t>12/15/19</a:t>
+              <a:t>12/20/19</a:t>
             </a:fld>
             <a:endParaRPr lang="en-US"/>
           </a:p>
@@ -2209,10 +2193,9 @@
           </a:lstStyle>
           <a:p>
             <a:r>
-              <a:rPr lang="en-US" smtClean="0"/>
+              <a:rPr lang="en-US"/>
               <a:t>Click to edit Master title style</a:t>
             </a:r>
-            <a:endParaRPr lang="en-US"/>
           </a:p>
         </p:txBody>
       </p:sp>
@@ -2336,7 +2319,7 @@
           <a:p>
             <a:pPr lvl="0"/>
             <a:r>
-              <a:rPr lang="en-US" smtClean="0"/>
+              <a:rPr lang="en-US"/>
               <a:t>Click to edit Master text styles</a:t>
             </a:r>
           </a:p>
@@ -2359,7 +2342,7 @@
           <a:p>
             <a:fld id="{5B3AD1D6-AE87-C841-B3FD-7C9F7FCAE5AE}" type="datetimeFigureOut">
               <a:rPr lang="en-US" smtClean="0"/>
-              <a:t>12/15/19</a:t>
+              <a:t>12/20/19</a:t>
             </a:fld>
             <a:endParaRPr lang="en-US"/>
           </a:p>
@@ -2468,10 +2451,9 @@
           <a:lstStyle/>
           <a:p>
             <a:r>
-              <a:rPr lang="en-US" smtClean="0"/>
+              <a:rPr lang="en-US"/>
               <a:t>Click to edit Master title style</a:t>
             </a:r>
-            <a:endParaRPr lang="en-US"/>
           </a:p>
         </p:txBody>
       </p:sp>
@@ -2502,38 +2484,37 @@
           <a:p>
             <a:pPr lvl="0"/>
             <a:r>
-              <a:rPr lang="en-US" smtClean="0"/>
+              <a:rPr lang="en-US"/>
               <a:t>Click to edit Master text styles</a:t>
             </a:r>
           </a:p>
           <a:p>
             <a:pPr lvl="1"/>
             <a:r>
-              <a:rPr lang="en-US" smtClean="0"/>
+              <a:rPr lang="en-US"/>
               <a:t>Second level</a:t>
             </a:r>
           </a:p>
           <a:p>
             <a:pPr lvl="2"/>
             <a:r>
-              <a:rPr lang="en-US" smtClean="0"/>
+              <a:rPr lang="en-US"/>
               <a:t>Third level</a:t>
             </a:r>
           </a:p>
           <a:p>
             <a:pPr lvl="3"/>
             <a:r>
-              <a:rPr lang="en-US" smtClean="0"/>
+              <a:rPr lang="en-US"/>
               <a:t>Fourth level</a:t>
             </a:r>
           </a:p>
           <a:p>
             <a:pPr lvl="4"/>
             <a:r>
-              <a:rPr lang="en-US" smtClean="0"/>
+              <a:rPr lang="en-US"/>
               <a:t>Fifth level</a:t>
             </a:r>
-            <a:endParaRPr lang="en-US"/>
           </a:p>
         </p:txBody>
       </p:sp>
@@ -2572,7 +2553,7 @@
           <a:p>
             <a:fld id="{5B3AD1D6-AE87-C841-B3FD-7C9F7FCAE5AE}" type="datetimeFigureOut">
               <a:rPr lang="en-US" smtClean="0"/>
-              <a:t>12/15/19</a:t>
+              <a:t>12/20/19</a:t>
             </a:fld>
             <a:endParaRPr lang="en-US"/>
           </a:p>
@@ -2999,29 +2980,6 @@
           </a:bodyPr>
           <a:lstStyle/>
           <a:p>
-            <a:r>
-              <a:rPr lang="en-US" sz="4000" dirty="0" smtClean="0">
-                <a:latin typeface="Arial Black" charset="0"/>
-                <a:ea typeface="Arial Black" charset="0"/>
-                <a:cs typeface="Arial Black" charset="0"/>
-              </a:rPr>
-              <a:t/>
-            </a:r>
-            <a:br>
-              <a:rPr lang="en-US" sz="4000" dirty="0" smtClean="0">
-                <a:latin typeface="Arial Black" charset="0"/>
-                <a:ea typeface="Arial Black" charset="0"/>
-                <a:cs typeface="Arial Black" charset="0"/>
-              </a:rPr>
-            </a:br>
-            <a:r>
-              <a:rPr lang="en-US" sz="4000" dirty="0">
-                <a:latin typeface="Arial Black" charset="0"/>
-                <a:ea typeface="Arial Black" charset="0"/>
-                <a:cs typeface="Arial Black" charset="0"/>
-              </a:rPr>
-              <a:t/>
-            </a:r>
             <a:br>
               <a:rPr lang="en-US" sz="4000" dirty="0">
                 <a:latin typeface="Arial Black" charset="0"/>
@@ -3029,29 +2987,6 @@
                 <a:cs typeface="Arial Black" charset="0"/>
               </a:rPr>
             </a:br>
-            <a:r>
-              <a:rPr lang="en-US" sz="4000" dirty="0" smtClean="0">
-                <a:latin typeface="Arial Black" charset="0"/>
-                <a:ea typeface="Arial Black" charset="0"/>
-                <a:cs typeface="Arial Black" charset="0"/>
-              </a:rPr>
-              <a:t/>
-            </a:r>
-            <a:br>
-              <a:rPr lang="en-US" sz="4000" dirty="0" smtClean="0">
-                <a:latin typeface="Arial Black" charset="0"/>
-                <a:ea typeface="Arial Black" charset="0"/>
-                <a:cs typeface="Arial Black" charset="0"/>
-              </a:rPr>
-            </a:br>
-            <a:r>
-              <a:rPr lang="en-US" sz="4000" dirty="0">
-                <a:latin typeface="Arial Black" charset="0"/>
-                <a:ea typeface="Arial Black" charset="0"/>
-                <a:cs typeface="Arial Black" charset="0"/>
-              </a:rPr>
-              <a:t/>
-            </a:r>
             <a:br>
               <a:rPr lang="en-US" sz="4000" dirty="0">
                 <a:latin typeface="Arial Black" charset="0"/>
@@ -3059,29 +2994,6 @@
                 <a:cs typeface="Arial Black" charset="0"/>
               </a:rPr>
             </a:br>
-            <a:r>
-              <a:rPr lang="en-US" sz="4000" dirty="0" smtClean="0">
-                <a:latin typeface="Arial Black" charset="0"/>
-                <a:ea typeface="Arial Black" charset="0"/>
-                <a:cs typeface="Arial Black" charset="0"/>
-              </a:rPr>
-              <a:t/>
-            </a:r>
-            <a:br>
-              <a:rPr lang="en-US" sz="4000" dirty="0" smtClean="0">
-                <a:latin typeface="Arial Black" charset="0"/>
-                <a:ea typeface="Arial Black" charset="0"/>
-                <a:cs typeface="Arial Black" charset="0"/>
-              </a:rPr>
-            </a:br>
-            <a:r>
-              <a:rPr lang="en-US" sz="4000" dirty="0">
-                <a:latin typeface="Arial Black" charset="0"/>
-                <a:ea typeface="Arial Black" charset="0"/>
-                <a:cs typeface="Arial Black" charset="0"/>
-              </a:rPr>
-              <a:t/>
-            </a:r>
             <a:br>
               <a:rPr lang="en-US" sz="4000" dirty="0">
                 <a:latin typeface="Arial Black" charset="0"/>
@@ -3089,29 +3001,6 @@
                 <a:cs typeface="Arial Black" charset="0"/>
               </a:rPr>
             </a:br>
-            <a:r>
-              <a:rPr lang="en-US" sz="4000" dirty="0" smtClean="0">
-                <a:latin typeface="Arial Black" charset="0"/>
-                <a:ea typeface="Arial Black" charset="0"/>
-                <a:cs typeface="Arial Black" charset="0"/>
-              </a:rPr>
-              <a:t/>
-            </a:r>
-            <a:br>
-              <a:rPr lang="en-US" sz="4000" dirty="0" smtClean="0">
-                <a:latin typeface="Arial Black" charset="0"/>
-                <a:ea typeface="Arial Black" charset="0"/>
-                <a:cs typeface="Arial Black" charset="0"/>
-              </a:rPr>
-            </a:br>
-            <a:r>
-              <a:rPr lang="en-US" sz="4000" dirty="0">
-                <a:latin typeface="Arial Black" charset="0"/>
-                <a:ea typeface="Arial Black" charset="0"/>
-                <a:cs typeface="Arial Black" charset="0"/>
-              </a:rPr>
-              <a:t/>
-            </a:r>
             <a:br>
               <a:rPr lang="en-US" sz="4000" dirty="0">
                 <a:latin typeface="Arial Black" charset="0"/>
@@ -3119,29 +3008,6 @@
                 <a:cs typeface="Arial Black" charset="0"/>
               </a:rPr>
             </a:br>
-            <a:r>
-              <a:rPr lang="en-US" sz="4000" dirty="0" smtClean="0">
-                <a:latin typeface="Arial Black" charset="0"/>
-                <a:ea typeface="Arial Black" charset="0"/>
-                <a:cs typeface="Arial Black" charset="0"/>
-              </a:rPr>
-              <a:t/>
-            </a:r>
-            <a:br>
-              <a:rPr lang="en-US" sz="4000" dirty="0" smtClean="0">
-                <a:latin typeface="Arial Black" charset="0"/>
-                <a:ea typeface="Arial Black" charset="0"/>
-                <a:cs typeface="Arial Black" charset="0"/>
-              </a:rPr>
-            </a:br>
-            <a:r>
-              <a:rPr lang="en-US" sz="4000" dirty="0">
-                <a:latin typeface="Arial Black" charset="0"/>
-                <a:ea typeface="Arial Black" charset="0"/>
-                <a:cs typeface="Arial Black" charset="0"/>
-              </a:rPr>
-              <a:t/>
-            </a:r>
             <a:br>
               <a:rPr lang="en-US" sz="4000" dirty="0">
                 <a:latin typeface="Arial Black" charset="0"/>
@@ -3149,23 +3015,50 @@
                 <a:cs typeface="Arial Black" charset="0"/>
               </a:rPr>
             </a:br>
-            <a:r>
-              <a:rPr lang="en-US" sz="4000" dirty="0" smtClean="0">
-                <a:latin typeface="Arial Black" charset="0"/>
-                <a:ea typeface="Arial Black" charset="0"/>
-                <a:cs typeface="Arial Black" charset="0"/>
-              </a:rPr>
-              <a:t/>
-            </a:r>
             <a:br>
-              <a:rPr lang="en-US" sz="4000" dirty="0" smtClean="0">
+              <a:rPr lang="en-US" sz="4000" dirty="0">
                 <a:latin typeface="Arial Black" charset="0"/>
                 <a:ea typeface="Arial Black" charset="0"/>
                 <a:cs typeface="Arial Black" charset="0"/>
               </a:rPr>
             </a:br>
-            <a:r>
-              <a:rPr lang="en-US" sz="6700" dirty="0" smtClean="0">
+            <a:br>
+              <a:rPr lang="en-US" sz="4000" dirty="0">
+                <a:latin typeface="Arial Black" charset="0"/>
+                <a:ea typeface="Arial Black" charset="0"/>
+                <a:cs typeface="Arial Black" charset="0"/>
+              </a:rPr>
+            </a:br>
+            <a:br>
+              <a:rPr lang="en-US" sz="4000" dirty="0">
+                <a:latin typeface="Arial Black" charset="0"/>
+                <a:ea typeface="Arial Black" charset="0"/>
+                <a:cs typeface="Arial Black" charset="0"/>
+              </a:rPr>
+            </a:br>
+            <a:br>
+              <a:rPr lang="en-US" sz="4000" dirty="0">
+                <a:latin typeface="Arial Black" charset="0"/>
+                <a:ea typeface="Arial Black" charset="0"/>
+                <a:cs typeface="Arial Black" charset="0"/>
+              </a:rPr>
+            </a:br>
+            <a:br>
+              <a:rPr lang="en-US" sz="4000" dirty="0">
+                <a:latin typeface="Arial Black" charset="0"/>
+                <a:ea typeface="Arial Black" charset="0"/>
+                <a:cs typeface="Arial Black" charset="0"/>
+              </a:rPr>
+            </a:br>
+            <a:br>
+              <a:rPr lang="en-US" sz="4000" dirty="0">
+                <a:latin typeface="Arial Black" charset="0"/>
+                <a:ea typeface="Arial Black" charset="0"/>
+                <a:cs typeface="Arial Black" charset="0"/>
+              </a:rPr>
+            </a:br>
+            <a:r>
+              <a:rPr lang="en-US" sz="6700" dirty="0">
                 <a:latin typeface="Arial Black" charset="0"/>
                 <a:ea typeface="Arial Black" charset="0"/>
                 <a:cs typeface="Arial Black" charset="0"/>
@@ -3173,14 +3066,14 @@
               <a:t>Problems</a:t>
             </a:r>
             <a:br>
-              <a:rPr lang="en-US" sz="6700" dirty="0" smtClean="0">
+              <a:rPr lang="en-US" sz="6700" dirty="0">
                 <a:latin typeface="Arial Black" charset="0"/>
                 <a:ea typeface="Arial Black" charset="0"/>
                 <a:cs typeface="Arial Black" charset="0"/>
               </a:rPr>
             </a:br>
             <a:r>
-              <a:rPr lang="en-US" sz="6700" dirty="0" smtClean="0">
+              <a:rPr lang="en-US" sz="6700" dirty="0">
                 <a:latin typeface="Arial Black" charset="0"/>
                 <a:ea typeface="Arial Black" charset="0"/>
                 <a:cs typeface="Arial Black" charset="0"/>
@@ -3188,14 +3081,14 @@
               <a:t>on</a:t>
             </a:r>
             <a:br>
-              <a:rPr lang="en-US" sz="6700" dirty="0" smtClean="0">
+              <a:rPr lang="en-US" sz="6700" dirty="0">
                 <a:latin typeface="Arial Black" charset="0"/>
                 <a:ea typeface="Arial Black" charset="0"/>
                 <a:cs typeface="Arial Black" charset="0"/>
               </a:rPr>
             </a:br>
             <a:r>
-              <a:rPr lang="en-US" sz="6700" dirty="0" smtClean="0">
+              <a:rPr lang="en-US" sz="6700" dirty="0">
                 <a:latin typeface="Arial Black" charset="0"/>
                 <a:ea typeface="Arial Black" charset="0"/>
                 <a:cs typeface="Arial Black" charset="0"/>
@@ -3203,22 +3096,22 @@
               <a:t>Conditional Expectation</a:t>
             </a:r>
             <a:br>
-              <a:rPr lang="en-US" sz="6700" dirty="0" smtClean="0">
+              <a:rPr lang="en-US" sz="6700" dirty="0">
                 <a:latin typeface="Arial Black" charset="0"/>
                 <a:ea typeface="Arial Black" charset="0"/>
                 <a:cs typeface="Arial Black" charset="0"/>
               </a:rPr>
             </a:br>
             <a:r>
-              <a:rPr lang="en-US" sz="6700" dirty="0" smtClean="0">
+              <a:rPr lang="en-US" altLang="ko-KR" sz="6700" dirty="0">
                 <a:latin typeface="Arial Black" charset="0"/>
                 <a:ea typeface="Arial Black" charset="0"/>
                 <a:cs typeface="Arial Black" charset="0"/>
               </a:rPr>
-              <a:t/>
+              <a:t>2018</a:t>
             </a:r>
             <a:br>
-              <a:rPr lang="en-US" sz="6700" dirty="0" smtClean="0">
+              <a:rPr lang="en-US" sz="6700" dirty="0">
                 <a:latin typeface="Arial Black" charset="0"/>
                 <a:ea typeface="Arial Black" charset="0"/>
                 <a:cs typeface="Arial Black" charset="0"/>
@@ -3262,6 +3155,276 @@
     <p:extLst>
       <p:ext uri="{BB962C8B-B14F-4D97-AF65-F5344CB8AC3E}">
         <p14:creationId xmlns:p14="http://schemas.microsoft.com/office/powerpoint/2010/main" val="2115918036"/>
+      </p:ext>
+    </p:extLst>
+  </p:cSld>
+  <p:clrMapOvr>
+    <a:masterClrMapping/>
+  </p:clrMapOvr>
+</p:sld>
+</file>
+
+<file path=ppt/slides/slide10.xml><?xml version="1.0" encoding="utf-8"?>
+<p:sld xmlns:a="http://schemas.openxmlformats.org/drawingml/2006/main" xmlns:r="http://schemas.openxmlformats.org/officeDocument/2006/relationships" xmlns:p="http://schemas.openxmlformats.org/presentationml/2006/main">
+  <p:cSld>
+    <p:spTree>
+      <p:nvGrpSpPr>
+        <p:cNvPr id="1" name=""/>
+        <p:cNvGrpSpPr/>
+        <p:nvPr/>
+      </p:nvGrpSpPr>
+      <p:grpSpPr>
+        <a:xfrm>
+          <a:off x="0" y="0"/>
+          <a:ext cx="0" cy="0"/>
+          <a:chOff x="0" y="0"/>
+          <a:chExt cx="0" cy="0"/>
+        </a:xfrm>
+      </p:grpSpPr>
+      <p:pic>
+        <p:nvPicPr>
+          <p:cNvPr id="4" name="Picture 3"/>
+          <p:cNvPicPr>
+            <a:picLocks noChangeAspect="1"/>
+          </p:cNvPicPr>
+          <p:nvPr/>
+        </p:nvPicPr>
+        <p:blipFill>
+          <a:blip r:embed="rId2">
+            <a:extLst>
+              <a:ext uri="{28A0092B-C50C-407E-A947-70E740481C1C}">
+                <a14:useLocalDpi xmlns:a14="http://schemas.microsoft.com/office/drawing/2010/main" val="0"/>
+              </a:ext>
+            </a:extLst>
+          </a:blip>
+          <a:stretch>
+            <a:fillRect/>
+          </a:stretch>
+        </p:blipFill>
+        <p:spPr>
+          <a:xfrm>
+            <a:off x="9956438" y="2009422"/>
+            <a:ext cx="1453051" cy="2709334"/>
+          </a:xfrm>
+          <a:prstGeom prst="rect">
+            <a:avLst/>
+          </a:prstGeom>
+        </p:spPr>
+      </p:pic>
+      <p:pic>
+        <p:nvPicPr>
+          <p:cNvPr id="3" name="Picture 2"/>
+          <p:cNvPicPr>
+            <a:picLocks noChangeAspect="1"/>
+          </p:cNvPicPr>
+          <p:nvPr/>
+        </p:nvPicPr>
+        <p:blipFill>
+          <a:blip r:embed="rId3">
+            <a:extLst>
+              <a:ext uri="{28A0092B-C50C-407E-A947-70E740481C1C}">
+                <a14:useLocalDpi xmlns:a14="http://schemas.microsoft.com/office/drawing/2010/main" val="0"/>
+              </a:ext>
+            </a:extLst>
+          </a:blip>
+          <a:stretch>
+            <a:fillRect/>
+          </a:stretch>
+        </p:blipFill>
+        <p:spPr>
+          <a:xfrm>
+            <a:off x="262557" y="2064098"/>
+            <a:ext cx="9399932" cy="2599981"/>
+          </a:xfrm>
+          <a:prstGeom prst="rect">
+            <a:avLst/>
+          </a:prstGeom>
+        </p:spPr>
+      </p:pic>
+      <p:pic>
+        <p:nvPicPr>
+          <p:cNvPr id="5" name="Picture 4"/>
+          <p:cNvPicPr>
+            <a:picLocks noChangeAspect="1"/>
+          </p:cNvPicPr>
+          <p:nvPr/>
+        </p:nvPicPr>
+        <p:blipFill>
+          <a:blip r:embed="rId4">
+            <a:extLst>
+              <a:ext uri="{28A0092B-C50C-407E-A947-70E740481C1C}">
+                <a14:useLocalDpi xmlns:a14="http://schemas.microsoft.com/office/drawing/2010/main" val="0"/>
+              </a:ext>
+            </a:extLst>
+          </a:blip>
+          <a:stretch>
+            <a:fillRect/>
+          </a:stretch>
+        </p:blipFill>
+        <p:spPr>
+          <a:xfrm>
+            <a:off x="1910737" y="4926575"/>
+            <a:ext cx="8194431" cy="1547200"/>
+          </a:xfrm>
+          <a:prstGeom prst="rect">
+            <a:avLst/>
+          </a:prstGeom>
+        </p:spPr>
+      </p:pic>
+      <p:pic>
+        <p:nvPicPr>
+          <p:cNvPr id="6" name="Picture 5" descr="A close up of a logo&#10;&#10;Description automatically generated">
+            <a:extLst>
+              <a:ext uri="{FF2B5EF4-FFF2-40B4-BE49-F238E27FC236}">
+                <a16:creationId xmlns:a16="http://schemas.microsoft.com/office/drawing/2014/main" id="{51F8EBFE-2DC1-5946-8B32-65FCD7C923A2}"/>
+              </a:ext>
+            </a:extLst>
+          </p:cNvPr>
+          <p:cNvPicPr>
+            <a:picLocks noChangeAspect="1"/>
+          </p:cNvPicPr>
+          <p:nvPr/>
+        </p:nvPicPr>
+        <p:blipFill>
+          <a:blip r:embed="rId5"/>
+          <a:stretch>
+            <a:fillRect/>
+          </a:stretch>
+        </p:blipFill>
+        <p:spPr>
+          <a:xfrm>
+            <a:off x="4047353" y="5732713"/>
+            <a:ext cx="6233910" cy="673100"/>
+          </a:xfrm>
+          <a:prstGeom prst="rect">
+            <a:avLst/>
+          </a:prstGeom>
+        </p:spPr>
+      </p:pic>
+    </p:spTree>
+    <p:extLst>
+      <p:ext uri="{BB962C8B-B14F-4D97-AF65-F5344CB8AC3E}">
+        <p14:creationId xmlns:p14="http://schemas.microsoft.com/office/powerpoint/2010/main" val="1019261734"/>
+      </p:ext>
+    </p:extLst>
+  </p:cSld>
+  <p:clrMapOvr>
+    <a:masterClrMapping/>
+  </p:clrMapOvr>
+</p:sld>
+</file>
+
+<file path=ppt/slides/slide11.xml><?xml version="1.0" encoding="utf-8"?>
+<p:sld xmlns:a="http://schemas.openxmlformats.org/drawingml/2006/main" xmlns:r="http://schemas.openxmlformats.org/officeDocument/2006/relationships" xmlns:p="http://schemas.openxmlformats.org/presentationml/2006/main">
+  <p:cSld>
+    <p:spTree>
+      <p:nvGrpSpPr>
+        <p:cNvPr id="1" name=""/>
+        <p:cNvGrpSpPr/>
+        <p:nvPr/>
+      </p:nvGrpSpPr>
+      <p:grpSpPr>
+        <a:xfrm>
+          <a:off x="0" y="0"/>
+          <a:ext cx="0" cy="0"/>
+          <a:chOff x="0" y="0"/>
+          <a:chExt cx="0" cy="0"/>
+        </a:xfrm>
+      </p:grpSpPr>
+      <p:pic>
+        <p:nvPicPr>
+          <p:cNvPr id="4" name="Picture 3"/>
+          <p:cNvPicPr>
+            <a:picLocks noChangeAspect="1"/>
+          </p:cNvPicPr>
+          <p:nvPr/>
+        </p:nvPicPr>
+        <p:blipFill>
+          <a:blip r:embed="rId2">
+            <a:extLst>
+              <a:ext uri="{28A0092B-C50C-407E-A947-70E740481C1C}">
+                <a14:useLocalDpi xmlns:a14="http://schemas.microsoft.com/office/drawing/2010/main" val="0"/>
+              </a:ext>
+            </a:extLst>
+          </a:blip>
+          <a:stretch>
+            <a:fillRect/>
+          </a:stretch>
+        </p:blipFill>
+        <p:spPr>
+          <a:xfrm>
+            <a:off x="9956438" y="2009422"/>
+            <a:ext cx="1453051" cy="2709334"/>
+          </a:xfrm>
+          <a:prstGeom prst="rect">
+            <a:avLst/>
+          </a:prstGeom>
+        </p:spPr>
+      </p:pic>
+      <p:pic>
+        <p:nvPicPr>
+          <p:cNvPr id="3" name="Picture 2"/>
+          <p:cNvPicPr>
+            <a:picLocks noChangeAspect="1"/>
+          </p:cNvPicPr>
+          <p:nvPr/>
+        </p:nvPicPr>
+        <p:blipFill>
+          <a:blip r:embed="rId3">
+            <a:extLst>
+              <a:ext uri="{28A0092B-C50C-407E-A947-70E740481C1C}">
+                <a14:useLocalDpi xmlns:a14="http://schemas.microsoft.com/office/drawing/2010/main" val="0"/>
+              </a:ext>
+            </a:extLst>
+          </a:blip>
+          <a:stretch>
+            <a:fillRect/>
+          </a:stretch>
+        </p:blipFill>
+        <p:spPr>
+          <a:xfrm>
+            <a:off x="262557" y="2064098"/>
+            <a:ext cx="9399932" cy="2599981"/>
+          </a:xfrm>
+          <a:prstGeom prst="rect">
+            <a:avLst/>
+          </a:prstGeom>
+        </p:spPr>
+      </p:pic>
+      <p:pic>
+        <p:nvPicPr>
+          <p:cNvPr id="5" name="Picture 4"/>
+          <p:cNvPicPr>
+            <a:picLocks noChangeAspect="1"/>
+          </p:cNvPicPr>
+          <p:nvPr/>
+        </p:nvPicPr>
+        <p:blipFill>
+          <a:blip r:embed="rId4">
+            <a:extLst>
+              <a:ext uri="{28A0092B-C50C-407E-A947-70E740481C1C}">
+                <a14:useLocalDpi xmlns:a14="http://schemas.microsoft.com/office/drawing/2010/main" val="0"/>
+              </a:ext>
+            </a:extLst>
+          </a:blip>
+          <a:stretch>
+            <a:fillRect/>
+          </a:stretch>
+        </p:blipFill>
+        <p:spPr>
+          <a:xfrm>
+            <a:off x="1910737" y="4926575"/>
+            <a:ext cx="8194431" cy="1547200"/>
+          </a:xfrm>
+          <a:prstGeom prst="rect">
+            <a:avLst/>
+          </a:prstGeom>
+        </p:spPr>
+      </p:pic>
+    </p:spTree>
+    <p:extLst>
+      <p:ext uri="{BB962C8B-B14F-4D97-AF65-F5344CB8AC3E}">
+        <p14:creationId xmlns:p14="http://schemas.microsoft.com/office/powerpoint/2010/main" val="458496327"/>
       </p:ext>
     </p:extLst>
   </p:cSld>
@@ -3306,18 +3469,13 @@
           <a:lstStyle/>
           <a:p>
             <a:r>
-              <a:rPr lang="en-US" sz="4000" dirty="0" smtClean="0">
+              <a:rPr lang="en-US" sz="4000" dirty="0">
                 <a:latin typeface="Arial Black" charset="0"/>
                 <a:ea typeface="Arial Black" charset="0"/>
                 <a:cs typeface="Arial Black" charset="0"/>
               </a:rPr>
               <a:t>Reference</a:t>
             </a:r>
-            <a:endParaRPr lang="en-US" sz="4000" dirty="0">
-              <a:latin typeface="Arial Black" charset="0"/>
-              <a:ea typeface="Arial Black" charset="0"/>
-              <a:cs typeface="Arial Black" charset="0"/>
-            </a:endParaRPr>
           </a:p>
         </p:txBody>
       </p:sp>
@@ -3336,7 +3494,7 @@
           <a:bodyPr/>
           <a:lstStyle/>
           <a:p>
-            <a:endParaRPr lang="en-US" sz="2000" dirty="0" smtClean="0">
+            <a:endParaRPr lang="en-US" sz="2000" dirty="0">
               <a:latin typeface="Arial Black" charset="0"/>
               <a:ea typeface="Arial Black" charset="0"/>
               <a:cs typeface="Arial Black" charset="0"/>
@@ -3345,7 +3503,7 @@
           </a:p>
           <a:p>
             <a:r>
-              <a:rPr lang="en-US" sz="2000" dirty="0" smtClean="0">
+              <a:rPr lang="en-US" sz="2000" dirty="0">
                 <a:latin typeface="Arial Black" charset="0"/>
                 <a:ea typeface="Arial Black" charset="0"/>
                 <a:cs typeface="Arial Black" charset="0"/>
@@ -3353,14 +3511,14 @@
               </a:rPr>
               <a:t>Data</a:t>
             </a:r>
-            <a:endParaRPr lang="en-US" sz="2000" dirty="0" smtClean="0">
+            <a:endParaRPr lang="en-US" sz="2000" dirty="0">
               <a:latin typeface="Arial Black" charset="0"/>
               <a:ea typeface="Arial Black" charset="0"/>
               <a:cs typeface="Arial Black" charset="0"/>
             </a:endParaRPr>
           </a:p>
           <a:p>
-            <a:endParaRPr lang="en-US" sz="2000" dirty="0" smtClean="0">
+            <a:endParaRPr lang="en-US" sz="2000" dirty="0">
               <a:latin typeface="Arial Black" charset="0"/>
               <a:ea typeface="Arial Black" charset="0"/>
               <a:cs typeface="Arial Black" charset="0"/>
@@ -3368,7 +3526,7 @@
           </a:p>
           <a:p>
             <a:r>
-              <a:rPr lang="en-US" sz="2000" dirty="0" smtClean="0">
+              <a:rPr lang="en-US" sz="2000" dirty="0">
                 <a:latin typeface="Arial Black" charset="0"/>
                 <a:ea typeface="Arial Black" charset="0"/>
                 <a:cs typeface="Arial Black" charset="0"/>
@@ -3376,14 +3534,14 @@
               </a:rPr>
               <a:t>Youtube</a:t>
             </a:r>
-            <a:endParaRPr lang="en-US" sz="2000" dirty="0" smtClean="0">
+            <a:endParaRPr lang="en-US" sz="2000" dirty="0">
               <a:latin typeface="Arial Black" charset="0"/>
               <a:ea typeface="Arial Black" charset="0"/>
               <a:cs typeface="Arial Black" charset="0"/>
             </a:endParaRPr>
           </a:p>
           <a:p>
-            <a:endParaRPr lang="en-US" dirty="0" smtClean="0">
+            <a:endParaRPr lang="en-US" dirty="0">
               <a:latin typeface="Arial Black" charset="0"/>
               <a:ea typeface="Arial Black" charset="0"/>
               <a:cs typeface="Arial Black" charset="0"/>
@@ -3391,7 +3549,7 @@
           </a:p>
           <a:p>
             <a:r>
-              <a:rPr lang="en-US" sz="2000" dirty="0" smtClean="0">
+              <a:rPr lang="en-US" sz="2000" dirty="0">
                 <a:latin typeface="Arial Black" charset="0"/>
                 <a:ea typeface="Arial Black" charset="0"/>
                 <a:cs typeface="Arial Black" charset="0"/>
@@ -3399,7 +3557,7 @@
               </a:rPr>
               <a:t>Code</a:t>
             </a:r>
-            <a:endParaRPr lang="en-US" sz="2000" dirty="0" smtClean="0">
+            <a:endParaRPr lang="en-US" sz="2000" dirty="0">
               <a:latin typeface="Arial Black" charset="0"/>
               <a:ea typeface="Arial Black" charset="0"/>
               <a:cs typeface="Arial Black" charset="0"/>
@@ -3418,13 +3576,6 @@
   <p:clrMapOvr>
     <a:masterClrMapping/>
   </p:clrMapOvr>
-  <p:timing>
-    <p:tnLst>
-      <p:par>
-        <p:cTn id="1" dur="indefinite" restart="never" nodeType="tmRoot"/>
-      </p:par>
-    </p:tnLst>
-  </p:timing>
 </p:sld>
 </file>
 
@@ -3468,18 +3619,13 @@
           <a:lstStyle/>
           <a:p>
             <a:r>
-              <a:rPr lang="en-US" sz="4000" dirty="0" smtClean="0">
+              <a:rPr lang="en-US" sz="4000" dirty="0">
                 <a:latin typeface="Arial Black" charset="0"/>
                 <a:ea typeface="Arial Black" charset="0"/>
                 <a:cs typeface="Arial Black" charset="0"/>
               </a:rPr>
               <a:t>[2018]</a:t>
             </a:r>
-            <a:endParaRPr lang="en-US" sz="4000" dirty="0">
-              <a:latin typeface="Arial Black" charset="0"/>
-              <a:ea typeface="Arial Black" charset="0"/>
-              <a:cs typeface="Arial Black" charset="0"/>
-            </a:endParaRPr>
           </a:p>
         </p:txBody>
       </p:sp>
@@ -3545,7 +3691,7 @@
       </p:grpSpPr>
       <p:pic>
         <p:nvPicPr>
-          <p:cNvPr id="5" name="Picture 4"/>
+          <p:cNvPr id="4" name="Picture 3"/>
           <p:cNvPicPr>
             <a:picLocks noChangeAspect="1"/>
           </p:cNvPicPr>
@@ -3565,8 +3711,128 @@
         </p:blipFill>
         <p:spPr>
           <a:xfrm>
-            <a:off x="740834" y="753068"/>
-            <a:ext cx="8597900" cy="4318000"/>
+            <a:off x="2298699" y="457200"/>
+            <a:ext cx="7969863" cy="5664200"/>
+          </a:xfrm>
+          <a:prstGeom prst="rect">
+            <a:avLst/>
+          </a:prstGeom>
+        </p:spPr>
+      </p:pic>
+      <p:pic>
+        <p:nvPicPr>
+          <p:cNvPr id="5" name="Picture 4" descr="A close up of a logo&#10;&#10;Description automatically generated">
+            <a:extLst>
+              <a:ext uri="{FF2B5EF4-FFF2-40B4-BE49-F238E27FC236}">
+                <a16:creationId xmlns:a16="http://schemas.microsoft.com/office/drawing/2014/main" id="{EA47F137-AE71-1B4D-A2DE-88BC3DA97508}"/>
+              </a:ext>
+            </a:extLst>
+          </p:cNvPr>
+          <p:cNvPicPr>
+            <a:picLocks noChangeAspect="1"/>
+          </p:cNvPicPr>
+          <p:nvPr/>
+        </p:nvPicPr>
+        <p:blipFill>
+          <a:blip r:embed="rId3"/>
+          <a:stretch>
+            <a:fillRect/>
+          </a:stretch>
+        </p:blipFill>
+        <p:spPr>
+          <a:xfrm>
+            <a:off x="1449816" y="457200"/>
+            <a:ext cx="9652075" cy="673100"/>
+          </a:xfrm>
+          <a:prstGeom prst="rect">
+            <a:avLst/>
+          </a:prstGeom>
+        </p:spPr>
+      </p:pic>
+      <p:pic>
+        <p:nvPicPr>
+          <p:cNvPr id="7" name="Picture 6" descr="A close up of a logo&#10;&#10;Description automatically generated">
+            <a:extLst>
+              <a:ext uri="{FF2B5EF4-FFF2-40B4-BE49-F238E27FC236}">
+                <a16:creationId xmlns:a16="http://schemas.microsoft.com/office/drawing/2014/main" id="{1BE544F6-D9A1-BF46-923C-091DA09FD877}"/>
+              </a:ext>
+            </a:extLst>
+          </p:cNvPr>
+          <p:cNvPicPr>
+            <a:picLocks noChangeAspect="1"/>
+          </p:cNvPicPr>
+          <p:nvPr/>
+        </p:nvPicPr>
+        <p:blipFill>
+          <a:blip r:embed="rId3"/>
+          <a:stretch>
+            <a:fillRect/>
+          </a:stretch>
+        </p:blipFill>
+        <p:spPr>
+          <a:xfrm>
+            <a:off x="2385731" y="5114888"/>
+            <a:ext cx="7507569" cy="382270"/>
+          </a:xfrm>
+          <a:prstGeom prst="rect">
+            <a:avLst/>
+          </a:prstGeom>
+        </p:spPr>
+      </p:pic>
+      <p:pic>
+        <p:nvPicPr>
+          <p:cNvPr id="11" name="Picture 10" descr="A close up of a logo&#10;&#10;Description automatically generated">
+            <a:extLst>
+              <a:ext uri="{FF2B5EF4-FFF2-40B4-BE49-F238E27FC236}">
+                <a16:creationId xmlns:a16="http://schemas.microsoft.com/office/drawing/2014/main" id="{196CC5E1-0CF3-AF43-BB84-F4F4D1F5C556}"/>
+              </a:ext>
+            </a:extLst>
+          </p:cNvPr>
+          <p:cNvPicPr>
+            <a:picLocks noChangeAspect="1"/>
+          </p:cNvPicPr>
+          <p:nvPr/>
+        </p:nvPicPr>
+        <p:blipFill>
+          <a:blip r:embed="rId3"/>
+          <a:stretch>
+            <a:fillRect/>
+          </a:stretch>
+        </p:blipFill>
+        <p:spPr>
+          <a:xfrm>
+            <a:off x="6926475" y="5458553"/>
+            <a:ext cx="2612939" cy="673100"/>
+          </a:xfrm>
+          <a:prstGeom prst="rect">
+            <a:avLst/>
+          </a:prstGeom>
+        </p:spPr>
+      </p:pic>
+      <p:pic>
+        <p:nvPicPr>
+          <p:cNvPr id="13" name="Picture 12" descr="A close up of a logo&#10;&#10;Description automatically generated">
+            <a:extLst>
+              <a:ext uri="{FF2B5EF4-FFF2-40B4-BE49-F238E27FC236}">
+                <a16:creationId xmlns:a16="http://schemas.microsoft.com/office/drawing/2014/main" id="{ED0CB04A-0704-464E-8AA2-2BB9A6490D25}"/>
+              </a:ext>
+            </a:extLst>
+          </p:cNvPr>
+          <p:cNvPicPr>
+            <a:picLocks noChangeAspect="1"/>
+          </p:cNvPicPr>
+          <p:nvPr/>
+        </p:nvPicPr>
+        <p:blipFill>
+          <a:blip r:embed="rId3"/>
+          <a:stretch>
+            <a:fillRect/>
+          </a:stretch>
+        </p:blipFill>
+        <p:spPr>
+          <a:xfrm>
+            <a:off x="2062035" y="5423871"/>
+            <a:ext cx="3436721" cy="673100"/>
           </a:xfrm>
           <a:prstGeom prst="rect">
             <a:avLst/>
@@ -3576,7 +3842,7 @@
     </p:spTree>
     <p:extLst>
       <p:ext uri="{BB962C8B-B14F-4D97-AF65-F5344CB8AC3E}">
-        <p14:creationId xmlns:p14="http://schemas.microsoft.com/office/powerpoint/2010/main" val="264211021"/>
+        <p14:creationId xmlns:p14="http://schemas.microsoft.com/office/powerpoint/2010/main" val="1802579275"/>
       </p:ext>
     </p:extLst>
   </p:cSld>
@@ -3625,8 +3891,8 @@
         </p:blipFill>
         <p:spPr>
           <a:xfrm>
-            <a:off x="9956438" y="2009422"/>
-            <a:ext cx="1453051" cy="2709334"/>
+            <a:off x="2298699" y="457200"/>
+            <a:ext cx="7969863" cy="5664200"/>
           </a:xfrm>
           <a:prstGeom prst="rect">
             <a:avLst/>
@@ -3635,28 +3901,238 @@
       </p:pic>
       <p:pic>
         <p:nvPicPr>
-          <p:cNvPr id="5" name="Picture 4"/>
+          <p:cNvPr id="5" name="Picture 4" descr="A close up of a logo&#10;&#10;Description automatically generated">
+            <a:extLst>
+              <a:ext uri="{FF2B5EF4-FFF2-40B4-BE49-F238E27FC236}">
+                <a16:creationId xmlns:a16="http://schemas.microsoft.com/office/drawing/2014/main" id="{EA47F137-AE71-1B4D-A2DE-88BC3DA97508}"/>
+              </a:ext>
+            </a:extLst>
+          </p:cNvPr>
           <p:cNvPicPr>
             <a:picLocks noChangeAspect="1"/>
           </p:cNvPicPr>
           <p:nvPr/>
         </p:nvPicPr>
         <p:blipFill>
-          <a:blip r:embed="rId3">
-            <a:extLst>
-              <a:ext uri="{28A0092B-C50C-407E-A947-70E740481C1C}">
-                <a14:useLocalDpi xmlns:a14="http://schemas.microsoft.com/office/drawing/2010/main" val="0"/>
-              </a:ext>
-            </a:extLst>
-          </a:blip>
+          <a:blip r:embed="rId3"/>
           <a:stretch>
             <a:fillRect/>
           </a:stretch>
         </p:blipFill>
         <p:spPr>
           <a:xfrm>
-            <a:off x="740834" y="753068"/>
-            <a:ext cx="8597900" cy="4318000"/>
+            <a:off x="1449816" y="457200"/>
+            <a:ext cx="9652075" cy="673100"/>
+          </a:xfrm>
+          <a:prstGeom prst="rect">
+            <a:avLst/>
+          </a:prstGeom>
+        </p:spPr>
+      </p:pic>
+      <p:pic>
+        <p:nvPicPr>
+          <p:cNvPr id="7" name="Picture 6" descr="A close up of a logo&#10;&#10;Description automatically generated">
+            <a:extLst>
+              <a:ext uri="{FF2B5EF4-FFF2-40B4-BE49-F238E27FC236}">
+                <a16:creationId xmlns:a16="http://schemas.microsoft.com/office/drawing/2014/main" id="{1BE544F6-D9A1-BF46-923C-091DA09FD877}"/>
+              </a:ext>
+            </a:extLst>
+          </p:cNvPr>
+          <p:cNvPicPr>
+            <a:picLocks noChangeAspect="1"/>
+          </p:cNvPicPr>
+          <p:nvPr/>
+        </p:nvPicPr>
+        <p:blipFill>
+          <a:blip r:embed="rId3"/>
+          <a:stretch>
+            <a:fillRect/>
+          </a:stretch>
+        </p:blipFill>
+        <p:spPr>
+          <a:xfrm>
+            <a:off x="2385731" y="5114888"/>
+            <a:ext cx="7507569" cy="382270"/>
+          </a:xfrm>
+          <a:prstGeom prst="rect">
+            <a:avLst/>
+          </a:prstGeom>
+        </p:spPr>
+      </p:pic>
+      <p:pic>
+        <p:nvPicPr>
+          <p:cNvPr id="11" name="Picture 10" descr="A close up of a logo&#10;&#10;Description automatically generated">
+            <a:extLst>
+              <a:ext uri="{FF2B5EF4-FFF2-40B4-BE49-F238E27FC236}">
+                <a16:creationId xmlns:a16="http://schemas.microsoft.com/office/drawing/2014/main" id="{196CC5E1-0CF3-AF43-BB84-F4F4D1F5C556}"/>
+              </a:ext>
+            </a:extLst>
+          </p:cNvPr>
+          <p:cNvPicPr>
+            <a:picLocks noChangeAspect="1"/>
+          </p:cNvPicPr>
+          <p:nvPr/>
+        </p:nvPicPr>
+        <p:blipFill>
+          <a:blip r:embed="rId3"/>
+          <a:stretch>
+            <a:fillRect/>
+          </a:stretch>
+        </p:blipFill>
+        <p:spPr>
+          <a:xfrm>
+            <a:off x="6926475" y="5458553"/>
+            <a:ext cx="2612939" cy="673100"/>
+          </a:xfrm>
+          <a:prstGeom prst="rect">
+            <a:avLst/>
+          </a:prstGeom>
+        </p:spPr>
+      </p:pic>
+      <p:pic>
+        <p:nvPicPr>
+          <p:cNvPr id="13" name="Picture 12" descr="A close up of a logo&#10;&#10;Description automatically generated">
+            <a:extLst>
+              <a:ext uri="{FF2B5EF4-FFF2-40B4-BE49-F238E27FC236}">
+                <a16:creationId xmlns:a16="http://schemas.microsoft.com/office/drawing/2014/main" id="{ED0CB04A-0704-464E-8AA2-2BB9A6490D25}"/>
+              </a:ext>
+            </a:extLst>
+          </p:cNvPr>
+          <p:cNvPicPr>
+            <a:picLocks noChangeAspect="1"/>
+          </p:cNvPicPr>
+          <p:nvPr/>
+        </p:nvPicPr>
+        <p:blipFill>
+          <a:blip r:embed="rId3"/>
+          <a:stretch>
+            <a:fillRect/>
+          </a:stretch>
+        </p:blipFill>
+        <p:spPr>
+          <a:xfrm>
+            <a:off x="2062035" y="5423871"/>
+            <a:ext cx="3436721" cy="673100"/>
+          </a:xfrm>
+          <a:prstGeom prst="rect">
+            <a:avLst/>
+          </a:prstGeom>
+        </p:spPr>
+      </p:pic>
+      <p:pic>
+        <p:nvPicPr>
+          <p:cNvPr id="2" name="Picture 1">
+            <a:extLst>
+              <a:ext uri="{FF2B5EF4-FFF2-40B4-BE49-F238E27FC236}">
+                <a16:creationId xmlns:a16="http://schemas.microsoft.com/office/drawing/2014/main" id="{3EB70DEC-3D57-CC41-BB15-FFCC51ED1F27}"/>
+              </a:ext>
+            </a:extLst>
+          </p:cNvPr>
+          <p:cNvPicPr>
+            <a:picLocks noChangeAspect="1"/>
+          </p:cNvPicPr>
+          <p:nvPr/>
+        </p:nvPicPr>
+        <p:blipFill>
+          <a:blip r:embed="rId4"/>
+          <a:stretch>
+            <a:fillRect/>
+          </a:stretch>
+        </p:blipFill>
+        <p:spPr>
+          <a:xfrm>
+            <a:off x="0" y="0"/>
+            <a:ext cx="12192000" cy="6858000"/>
+          </a:xfrm>
+          <a:prstGeom prst="rect">
+            <a:avLst/>
+          </a:prstGeom>
+        </p:spPr>
+      </p:pic>
+      <p:pic>
+        <p:nvPicPr>
+          <p:cNvPr id="3" name="Picture 2">
+            <a:extLst>
+              <a:ext uri="{FF2B5EF4-FFF2-40B4-BE49-F238E27FC236}">
+                <a16:creationId xmlns:a16="http://schemas.microsoft.com/office/drawing/2014/main" id="{5886E720-29D7-C24F-8AE1-93B68F6DA9E7}"/>
+              </a:ext>
+            </a:extLst>
+          </p:cNvPr>
+          <p:cNvPicPr>
+            <a:picLocks noChangeAspect="1"/>
+          </p:cNvPicPr>
+          <p:nvPr/>
+        </p:nvPicPr>
+        <p:blipFill>
+          <a:blip r:embed="rId4"/>
+          <a:stretch>
+            <a:fillRect/>
+          </a:stretch>
+        </p:blipFill>
+        <p:spPr>
+          <a:xfrm>
+            <a:off x="0" y="0"/>
+            <a:ext cx="12192000" cy="6858000"/>
+          </a:xfrm>
+          <a:prstGeom prst="rect">
+            <a:avLst/>
+          </a:prstGeom>
+        </p:spPr>
+      </p:pic>
+      <p:pic>
+        <p:nvPicPr>
+          <p:cNvPr id="8" name="Picture 7" descr="A close up of a logo&#10;&#10;Description automatically generated">
+            <a:extLst>
+              <a:ext uri="{FF2B5EF4-FFF2-40B4-BE49-F238E27FC236}">
+                <a16:creationId xmlns:a16="http://schemas.microsoft.com/office/drawing/2014/main" id="{18D51259-7940-CE4B-9BD5-A3E645216B16}"/>
+              </a:ext>
+            </a:extLst>
+          </p:cNvPr>
+          <p:cNvPicPr>
+            <a:picLocks noChangeAspect="1"/>
+          </p:cNvPicPr>
+          <p:nvPr/>
+        </p:nvPicPr>
+        <p:blipFill>
+          <a:blip r:embed="rId3"/>
+          <a:stretch>
+            <a:fillRect/>
+          </a:stretch>
+        </p:blipFill>
+        <p:spPr>
+          <a:xfrm>
+            <a:off x="6813771" y="2186771"/>
+            <a:ext cx="3642422" cy="3237100"/>
+          </a:xfrm>
+          <a:prstGeom prst="rect">
+            <a:avLst/>
+          </a:prstGeom>
+        </p:spPr>
+      </p:pic>
+      <p:pic>
+        <p:nvPicPr>
+          <p:cNvPr id="10" name="Picture 9" descr="A close up of a logo&#10;&#10;Description automatically generated">
+            <a:extLst>
+              <a:ext uri="{FF2B5EF4-FFF2-40B4-BE49-F238E27FC236}">
+                <a16:creationId xmlns:a16="http://schemas.microsoft.com/office/drawing/2014/main" id="{21169A68-18C2-2241-9839-2877EF45418C}"/>
+              </a:ext>
+            </a:extLst>
+          </p:cNvPr>
+          <p:cNvPicPr>
+            <a:picLocks noChangeAspect="1"/>
+          </p:cNvPicPr>
+          <p:nvPr/>
+        </p:nvPicPr>
+        <p:blipFill>
+          <a:blip r:embed="rId3"/>
+          <a:stretch>
+            <a:fillRect/>
+          </a:stretch>
+        </p:blipFill>
+        <p:spPr>
+          <a:xfrm>
+            <a:off x="3740303" y="2186771"/>
+            <a:ext cx="1631864" cy="2823024"/>
           </a:xfrm>
           <a:prstGeom prst="rect">
             <a:avLst/>
@@ -3666,7 +4142,7 @@
     </p:spTree>
     <p:extLst>
       <p:ext uri="{BB962C8B-B14F-4D97-AF65-F5344CB8AC3E}">
-        <p14:creationId xmlns:p14="http://schemas.microsoft.com/office/powerpoint/2010/main" val="1956228374"/>
+        <p14:creationId xmlns:p14="http://schemas.microsoft.com/office/powerpoint/2010/main" val="1127786021"/>
       </p:ext>
     </p:extLst>
   </p:cSld>
@@ -3723,10 +4199,100 @@
           </a:prstGeom>
         </p:spPr>
       </p:pic>
+      <p:pic>
+        <p:nvPicPr>
+          <p:cNvPr id="3" name="Picture 2"/>
+          <p:cNvPicPr>
+            <a:picLocks noChangeAspect="1"/>
+          </p:cNvPicPr>
+          <p:nvPr/>
+        </p:nvPicPr>
+        <p:blipFill>
+          <a:blip r:embed="rId3">
+            <a:extLst>
+              <a:ext uri="{28A0092B-C50C-407E-A947-70E740481C1C}">
+                <a14:useLocalDpi xmlns:a14="http://schemas.microsoft.com/office/drawing/2010/main" val="0"/>
+              </a:ext>
+            </a:extLst>
+          </a:blip>
+          <a:stretch>
+            <a:fillRect/>
+          </a:stretch>
+        </p:blipFill>
+        <p:spPr>
+          <a:xfrm>
+            <a:off x="262557" y="2064098"/>
+            <a:ext cx="9399932" cy="2599981"/>
+          </a:xfrm>
+          <a:prstGeom prst="rect">
+            <a:avLst/>
+          </a:prstGeom>
+        </p:spPr>
+      </p:pic>
+      <p:pic>
+        <p:nvPicPr>
+          <p:cNvPr id="2" name="Picture 1">
+            <a:extLst>
+              <a:ext uri="{FF2B5EF4-FFF2-40B4-BE49-F238E27FC236}">
+                <a16:creationId xmlns:a16="http://schemas.microsoft.com/office/drawing/2014/main" id="{B743F07E-349A-FD4F-AA1D-531BAA0A7F7B}"/>
+              </a:ext>
+            </a:extLst>
+          </p:cNvPr>
+          <p:cNvPicPr>
+            <a:picLocks noChangeAspect="1"/>
+          </p:cNvPicPr>
+          <p:nvPr/>
+        </p:nvPicPr>
+        <p:blipFill>
+          <a:blip r:embed="rId4"/>
+          <a:stretch>
+            <a:fillRect/>
+          </a:stretch>
+        </p:blipFill>
+        <p:spPr>
+          <a:xfrm>
+            <a:off x="0" y="0"/>
+            <a:ext cx="12192000" cy="6858000"/>
+          </a:xfrm>
+          <a:prstGeom prst="rect">
+            <a:avLst/>
+          </a:prstGeom>
+        </p:spPr>
+      </p:pic>
+      <p:pic>
+        <p:nvPicPr>
+          <p:cNvPr id="6" name="Picture 5" descr="A close up of a logo&#10;&#10;Description automatically generated">
+            <a:extLst>
+              <a:ext uri="{FF2B5EF4-FFF2-40B4-BE49-F238E27FC236}">
+                <a16:creationId xmlns:a16="http://schemas.microsoft.com/office/drawing/2014/main" id="{52AF5EC8-CF32-5C45-B763-2995A6608F74}"/>
+              </a:ext>
+            </a:extLst>
+          </p:cNvPr>
+          <p:cNvPicPr>
+            <a:picLocks noChangeAspect="1"/>
+          </p:cNvPicPr>
+          <p:nvPr/>
+        </p:nvPicPr>
+        <p:blipFill>
+          <a:blip r:embed="rId5"/>
+          <a:stretch>
+            <a:fillRect/>
+          </a:stretch>
+        </p:blipFill>
+        <p:spPr>
+          <a:xfrm>
+            <a:off x="262557" y="1643449"/>
+            <a:ext cx="9178005" cy="3336324"/>
+          </a:xfrm>
+          <a:prstGeom prst="rect">
+            <a:avLst/>
+          </a:prstGeom>
+        </p:spPr>
+      </p:pic>
     </p:spTree>
     <p:extLst>
       <p:ext uri="{BB962C8B-B14F-4D97-AF65-F5344CB8AC3E}">
-        <p14:creationId xmlns:p14="http://schemas.microsoft.com/office/powerpoint/2010/main" val="1141815716"/>
+        <p14:creationId xmlns:p14="http://schemas.microsoft.com/office/powerpoint/2010/main" val="1853294573"/>
       </p:ext>
     </p:extLst>
   </p:cSld>
@@ -3813,10 +4379,70 @@
           </a:prstGeom>
         </p:spPr>
       </p:pic>
+      <p:pic>
+        <p:nvPicPr>
+          <p:cNvPr id="2" name="Picture 1">
+            <a:extLst>
+              <a:ext uri="{FF2B5EF4-FFF2-40B4-BE49-F238E27FC236}">
+                <a16:creationId xmlns:a16="http://schemas.microsoft.com/office/drawing/2014/main" id="{B743F07E-349A-FD4F-AA1D-531BAA0A7F7B}"/>
+              </a:ext>
+            </a:extLst>
+          </p:cNvPr>
+          <p:cNvPicPr>
+            <a:picLocks noChangeAspect="1"/>
+          </p:cNvPicPr>
+          <p:nvPr/>
+        </p:nvPicPr>
+        <p:blipFill>
+          <a:blip r:embed="rId4"/>
+          <a:stretch>
+            <a:fillRect/>
+          </a:stretch>
+        </p:blipFill>
+        <p:spPr>
+          <a:xfrm>
+            <a:off x="0" y="0"/>
+            <a:ext cx="12192000" cy="6858000"/>
+          </a:xfrm>
+          <a:prstGeom prst="rect">
+            <a:avLst/>
+          </a:prstGeom>
+        </p:spPr>
+      </p:pic>
+      <p:pic>
+        <p:nvPicPr>
+          <p:cNvPr id="6" name="Picture 5" descr="A close up of a logo&#10;&#10;Description automatically generated">
+            <a:extLst>
+              <a:ext uri="{FF2B5EF4-FFF2-40B4-BE49-F238E27FC236}">
+                <a16:creationId xmlns:a16="http://schemas.microsoft.com/office/drawing/2014/main" id="{52AF5EC8-CF32-5C45-B763-2995A6608F74}"/>
+              </a:ext>
+            </a:extLst>
+          </p:cNvPr>
+          <p:cNvPicPr>
+            <a:picLocks noChangeAspect="1"/>
+          </p:cNvPicPr>
+          <p:nvPr/>
+        </p:nvPicPr>
+        <p:blipFill>
+          <a:blip r:embed="rId5"/>
+          <a:stretch>
+            <a:fillRect/>
+          </a:stretch>
+        </p:blipFill>
+        <p:spPr>
+          <a:xfrm>
+            <a:off x="6096000" y="1643449"/>
+            <a:ext cx="3344562" cy="3336324"/>
+          </a:xfrm>
+          <a:prstGeom prst="rect">
+            <a:avLst/>
+          </a:prstGeom>
+        </p:spPr>
+      </p:pic>
     </p:spTree>
     <p:extLst>
       <p:ext uri="{BB962C8B-B14F-4D97-AF65-F5344CB8AC3E}">
-        <p14:creationId xmlns:p14="http://schemas.microsoft.com/office/powerpoint/2010/main" val="1853294573"/>
+        <p14:creationId xmlns:p14="http://schemas.microsoft.com/office/powerpoint/2010/main" val="1297769099"/>
       </p:ext>
     </p:extLst>
   </p:cSld>
@@ -3905,28 +4531,58 @@
       </p:pic>
       <p:pic>
         <p:nvPicPr>
-          <p:cNvPr id="5" name="Picture 4"/>
+          <p:cNvPr id="2" name="Picture 1">
+            <a:extLst>
+              <a:ext uri="{FF2B5EF4-FFF2-40B4-BE49-F238E27FC236}">
+                <a16:creationId xmlns:a16="http://schemas.microsoft.com/office/drawing/2014/main" id="{B743F07E-349A-FD4F-AA1D-531BAA0A7F7B}"/>
+              </a:ext>
+            </a:extLst>
+          </p:cNvPr>
           <p:cNvPicPr>
             <a:picLocks noChangeAspect="1"/>
           </p:cNvPicPr>
           <p:nvPr/>
         </p:nvPicPr>
         <p:blipFill>
-          <a:blip r:embed="rId4">
-            <a:extLst>
-              <a:ext uri="{28A0092B-C50C-407E-A947-70E740481C1C}">
-                <a14:useLocalDpi xmlns:a14="http://schemas.microsoft.com/office/drawing/2010/main" val="0"/>
-              </a:ext>
-            </a:extLst>
-          </a:blip>
+          <a:blip r:embed="rId4"/>
           <a:stretch>
             <a:fillRect/>
           </a:stretch>
         </p:blipFill>
         <p:spPr>
           <a:xfrm>
-            <a:off x="1910737" y="4926575"/>
-            <a:ext cx="8194431" cy="1547200"/>
+            <a:off x="0" y="0"/>
+            <a:ext cx="12192000" cy="6858000"/>
+          </a:xfrm>
+          <a:prstGeom prst="rect">
+            <a:avLst/>
+          </a:prstGeom>
+        </p:spPr>
+      </p:pic>
+      <p:pic>
+        <p:nvPicPr>
+          <p:cNvPr id="6" name="Picture 5" descr="A close up of a logo&#10;&#10;Description automatically generated">
+            <a:extLst>
+              <a:ext uri="{FF2B5EF4-FFF2-40B4-BE49-F238E27FC236}">
+                <a16:creationId xmlns:a16="http://schemas.microsoft.com/office/drawing/2014/main" id="{52AF5EC8-CF32-5C45-B763-2995A6608F74}"/>
+              </a:ext>
+            </a:extLst>
+          </p:cNvPr>
+          <p:cNvPicPr>
+            <a:picLocks noChangeAspect="1"/>
+          </p:cNvPicPr>
+          <p:nvPr/>
+        </p:nvPicPr>
+        <p:blipFill>
+          <a:blip r:embed="rId5"/>
+          <a:stretch>
+            <a:fillRect/>
+          </a:stretch>
+        </p:blipFill>
+        <p:spPr>
+          <a:xfrm>
+            <a:off x="7834184" y="1643449"/>
+            <a:ext cx="1606378" cy="3336324"/>
           </a:xfrm>
           <a:prstGeom prst="rect">
             <a:avLst/>
@@ -3936,7 +4592,7 @@
     </p:spTree>
     <p:extLst>
       <p:ext uri="{BB962C8B-B14F-4D97-AF65-F5344CB8AC3E}">
-        <p14:creationId xmlns:p14="http://schemas.microsoft.com/office/powerpoint/2010/main" val="1019261734"/>
+        <p14:creationId xmlns:p14="http://schemas.microsoft.com/office/powerpoint/2010/main" val="1470689016"/>
       </p:ext>
     </p:extLst>
   </p:cSld>
@@ -3963,10 +4619,100 @@
           <a:chExt cx="0" cy="0"/>
         </a:xfrm>
       </p:grpSpPr>
+      <p:pic>
+        <p:nvPicPr>
+          <p:cNvPr id="4" name="Picture 3"/>
+          <p:cNvPicPr>
+            <a:picLocks noChangeAspect="1"/>
+          </p:cNvPicPr>
+          <p:nvPr/>
+        </p:nvPicPr>
+        <p:blipFill>
+          <a:blip r:embed="rId2">
+            <a:extLst>
+              <a:ext uri="{28A0092B-C50C-407E-A947-70E740481C1C}">
+                <a14:useLocalDpi xmlns:a14="http://schemas.microsoft.com/office/drawing/2010/main" val="0"/>
+              </a:ext>
+            </a:extLst>
+          </a:blip>
+          <a:stretch>
+            <a:fillRect/>
+          </a:stretch>
+        </p:blipFill>
+        <p:spPr>
+          <a:xfrm>
+            <a:off x="9956438" y="2009422"/>
+            <a:ext cx="1453051" cy="2709334"/>
+          </a:xfrm>
+          <a:prstGeom prst="rect">
+            <a:avLst/>
+          </a:prstGeom>
+        </p:spPr>
+      </p:pic>
+      <p:pic>
+        <p:nvPicPr>
+          <p:cNvPr id="3" name="Picture 2"/>
+          <p:cNvPicPr>
+            <a:picLocks noChangeAspect="1"/>
+          </p:cNvPicPr>
+          <p:nvPr/>
+        </p:nvPicPr>
+        <p:blipFill>
+          <a:blip r:embed="rId3">
+            <a:extLst>
+              <a:ext uri="{28A0092B-C50C-407E-A947-70E740481C1C}">
+                <a14:useLocalDpi xmlns:a14="http://schemas.microsoft.com/office/drawing/2010/main" val="0"/>
+              </a:ext>
+            </a:extLst>
+          </a:blip>
+          <a:stretch>
+            <a:fillRect/>
+          </a:stretch>
+        </p:blipFill>
+        <p:spPr>
+          <a:xfrm>
+            <a:off x="262557" y="2064098"/>
+            <a:ext cx="9399932" cy="2599981"/>
+          </a:xfrm>
+          <a:prstGeom prst="rect">
+            <a:avLst/>
+          </a:prstGeom>
+        </p:spPr>
+      </p:pic>
+      <p:pic>
+        <p:nvPicPr>
+          <p:cNvPr id="2" name="Picture 1">
+            <a:extLst>
+              <a:ext uri="{FF2B5EF4-FFF2-40B4-BE49-F238E27FC236}">
+                <a16:creationId xmlns:a16="http://schemas.microsoft.com/office/drawing/2014/main" id="{B743F07E-349A-FD4F-AA1D-531BAA0A7F7B}"/>
+              </a:ext>
+            </a:extLst>
+          </p:cNvPr>
+          <p:cNvPicPr>
+            <a:picLocks noChangeAspect="1"/>
+          </p:cNvPicPr>
+          <p:nvPr/>
+        </p:nvPicPr>
+        <p:blipFill>
+          <a:blip r:embed="rId4"/>
+          <a:stretch>
+            <a:fillRect/>
+          </a:stretch>
+        </p:blipFill>
+        <p:spPr>
+          <a:xfrm>
+            <a:off x="0" y="0"/>
+            <a:ext cx="12192000" cy="6858000"/>
+          </a:xfrm>
+          <a:prstGeom prst="rect">
+            <a:avLst/>
+          </a:prstGeom>
+        </p:spPr>
+      </p:pic>
     </p:spTree>
     <p:extLst>
       <p:ext uri="{BB962C8B-B14F-4D97-AF65-F5344CB8AC3E}">
-        <p14:creationId xmlns:p14="http://schemas.microsoft.com/office/powerpoint/2010/main" val="1431267209"/>
+        <p14:creationId xmlns:p14="http://schemas.microsoft.com/office/powerpoint/2010/main" val="4095351922"/>
       </p:ext>
     </p:extLst>
   </p:cSld>
